--- a/Documentation/Phase III Presentation.pptx
+++ b/Documentation/Phase III Presentation.pptx
@@ -111,6 +111,11 @@
       </a:defRPr>
     </a:lvl9pPr>
   </p:defaultTextStyle>
+  <p:extLst>
+    <p:ext uri="{EFAFB233-063F-42B5-8137-9DF3F51BA10A}">
+      <p15:sldGuideLst xmlns:p15="http://schemas.microsoft.com/office/powerpoint/2012/main"/>
+    </p:ext>
+  </p:extLst>
 </p:presentation>
 </file>
 
@@ -290,7 +295,7 @@
           <a:p>
             <a:fld id="{B1C15A8D-EEB3-4A4A-BC4E-1A9DC776BA70}" type="datetimeFigureOut">
               <a:rPr lang="en-US" smtClean="0"/>
-              <a:t>6/8/2020</a:t>
+              <a:t>13-Jun-20</a:t>
             </a:fld>
             <a:endParaRPr lang="en-US"/>
           </a:p>
@@ -465,7 +470,7 @@
           <a:p>
             <a:fld id="{B1C15A8D-EEB3-4A4A-BC4E-1A9DC776BA70}" type="datetimeFigureOut">
               <a:rPr lang="en-US" smtClean="0"/>
-              <a:t>6/8/2020</a:t>
+              <a:t>13-Jun-20</a:t>
             </a:fld>
             <a:endParaRPr lang="en-US"/>
           </a:p>
@@ -688,7 +693,7 @@
           <a:p>
             <a:fld id="{B1C15A8D-EEB3-4A4A-BC4E-1A9DC776BA70}" type="datetimeFigureOut">
               <a:rPr lang="en-US" smtClean="0"/>
-              <a:t>6/8/2020</a:t>
+              <a:t>13-Jun-20</a:t>
             </a:fld>
             <a:endParaRPr lang="en-US"/>
           </a:p>
@@ -868,7 +873,7 @@
           <a:p>
             <a:fld id="{B1C15A8D-EEB3-4A4A-BC4E-1A9DC776BA70}" type="datetimeFigureOut">
               <a:rPr lang="en-US" smtClean="0"/>
-              <a:t>6/8/2020</a:t>
+              <a:t>13-Jun-20</a:t>
             </a:fld>
             <a:endParaRPr lang="en-US"/>
           </a:p>
@@ -1174,7 +1179,7 @@
           <a:p>
             <a:fld id="{B1C15A8D-EEB3-4A4A-BC4E-1A9DC776BA70}" type="datetimeFigureOut">
               <a:rPr lang="en-US" smtClean="0"/>
-              <a:t>6/8/2020</a:t>
+              <a:t>13-Jun-20</a:t>
             </a:fld>
             <a:endParaRPr lang="en-US"/>
           </a:p>
@@ -1478,7 +1483,7 @@
           <a:p>
             <a:fld id="{B1C15A8D-EEB3-4A4A-BC4E-1A9DC776BA70}" type="datetimeFigureOut">
               <a:rPr lang="en-US" smtClean="0"/>
-              <a:t>6/8/2020</a:t>
+              <a:t>13-Jun-20</a:t>
             </a:fld>
             <a:endParaRPr lang="en-US"/>
           </a:p>
@@ -1900,7 +1905,7 @@
           <a:p>
             <a:fld id="{B1C15A8D-EEB3-4A4A-BC4E-1A9DC776BA70}" type="datetimeFigureOut">
               <a:rPr lang="en-US" smtClean="0"/>
-              <a:t>6/8/2020</a:t>
+              <a:t>13-Jun-20</a:t>
             </a:fld>
             <a:endParaRPr lang="en-US"/>
           </a:p>
@@ -2018,7 +2023,7 @@
           <a:p>
             <a:fld id="{B1C15A8D-EEB3-4A4A-BC4E-1A9DC776BA70}" type="datetimeFigureOut">
               <a:rPr lang="en-US" smtClean="0"/>
-              <a:t>6/8/2020</a:t>
+              <a:t>13-Jun-20</a:t>
             </a:fld>
             <a:endParaRPr lang="en-US"/>
           </a:p>
@@ -2113,7 +2118,7 @@
           <a:p>
             <a:fld id="{B1C15A8D-EEB3-4A4A-BC4E-1A9DC776BA70}" type="datetimeFigureOut">
               <a:rPr lang="en-US" smtClean="0"/>
-              <a:t>6/8/2020</a:t>
+              <a:t>13-Jun-20</a:t>
             </a:fld>
             <a:endParaRPr lang="en-US"/>
           </a:p>
@@ -2391,7 +2396,7 @@
           <a:p>
             <a:fld id="{B1C15A8D-EEB3-4A4A-BC4E-1A9DC776BA70}" type="datetimeFigureOut">
               <a:rPr lang="en-US" smtClean="0"/>
-              <a:t>6/8/2020</a:t>
+              <a:t>13-Jun-20</a:t>
             </a:fld>
             <a:endParaRPr lang="en-US"/>
           </a:p>
@@ -2661,7 +2666,7 @@
           <a:p>
             <a:fld id="{B1C15A8D-EEB3-4A4A-BC4E-1A9DC776BA70}" type="datetimeFigureOut">
               <a:rPr lang="en-US" smtClean="0"/>
-              <a:t>6/8/2020</a:t>
+              <a:t>13-Jun-20</a:t>
             </a:fld>
             <a:endParaRPr lang="en-US"/>
           </a:p>
@@ -2910,7 +2915,7 @@
           <a:p>
             <a:fld id="{B1C15A8D-EEB3-4A4A-BC4E-1A9DC776BA70}" type="datetimeFigureOut">
               <a:rPr lang="en-US" smtClean="0"/>
-              <a:t>6/8/2020</a:t>
+              <a:t>13-Jun-20</a:t>
             </a:fld>
             <a:endParaRPr lang="en-US"/>
           </a:p>
@@ -4096,7 +4101,72 @@
           <a:bodyPr/>
           <a:lstStyle/>
           <a:p>
-            <a:endParaRPr lang="en-US"/>
+            <a:r>
+              <a:rPr lang="en-US" dirty="0" smtClean="0"/>
+              <a:t>In profile page uploading a picture could be any extension </a:t>
+            </a:r>
+            <a:r>
+              <a:rPr lang="en-US" dirty="0" smtClean="0"/>
+              <a:t>.</a:t>
+            </a:r>
+          </a:p>
+          <a:p>
+            <a:r>
+              <a:rPr lang="en-US" dirty="0" smtClean="0"/>
+              <a:t>In profile page defect while editing bank account number.</a:t>
+            </a:r>
+          </a:p>
+          <a:p>
+            <a:r>
+              <a:rPr lang="en-US" dirty="0"/>
+              <a:t>In profile page defect while editing </a:t>
+            </a:r>
+            <a:r>
+              <a:rPr lang="en-US" dirty="0" smtClean="0"/>
+              <a:t>passport number.</a:t>
+            </a:r>
+          </a:p>
+          <a:p>
+            <a:r>
+              <a:rPr lang="en-US" dirty="0"/>
+              <a:t>In profile page defect while editing </a:t>
+            </a:r>
+            <a:r>
+              <a:rPr lang="en-US" dirty="0" smtClean="0"/>
+              <a:t>national id number.</a:t>
+            </a:r>
+          </a:p>
+          <a:p>
+            <a:r>
+              <a:rPr lang="en-US" dirty="0"/>
+              <a:t>In profile page defect while editing </a:t>
+            </a:r>
+            <a:r>
+              <a:rPr lang="en-US" dirty="0" smtClean="0"/>
+              <a:t>mobile number.</a:t>
+            </a:r>
+          </a:p>
+          <a:p>
+            <a:r>
+              <a:rPr lang="en-US" dirty="0"/>
+              <a:t>In profile page </a:t>
+            </a:r>
+            <a:r>
+              <a:rPr lang="en-US" dirty="0" smtClean="0"/>
+              <a:t>validation on negative values.</a:t>
+            </a:r>
+          </a:p>
+          <a:p>
+            <a:pPr marL="0" indent="0">
+              <a:buNone/>
+            </a:pPr>
+            <a:endParaRPr lang="en-US" dirty="0" smtClean="0"/>
+          </a:p>
+          <a:p>
+            <a:pPr marL="0" indent="0">
+              <a:buNone/>
+            </a:pPr>
+            <a:endParaRPr lang="en-US" dirty="0"/>
           </a:p>
         </p:txBody>
       </p:sp>

--- a/Documentation/Phase III Presentation.pptx
+++ b/Documentation/Phase III Presentation.pptx
@@ -113,7 +113,7 @@
   </p:defaultTextStyle>
   <p:extLst>
     <p:ext uri="{EFAFB233-063F-42B5-8137-9DF3F51BA10A}">
-      <p15:sldGuideLst xmlns:p15="http://schemas.microsoft.com/office/powerpoint/2012/main"/>
+      <p15:sldGuideLst xmlns:p15="http://schemas.microsoft.com/office/powerpoint/2012/main" xmlns=""/>
     </p:ext>
   </p:extLst>
 </p:presentation>
@@ -355,7 +355,7 @@
   </p:clrMapOvr>
   <p:extLst>
     <p:ext uri="{DCECCB84-F9BA-43D5-87BE-67443E8EF086}">
-      <p15:sldGuideLst xmlns:p15="http://schemas.microsoft.com/office/powerpoint/2012/main"/>
+      <p15:sldGuideLst xmlns:p15="http://schemas.microsoft.com/office/powerpoint/2012/main" xmlns=""/>
     </p:ext>
   </p:extLst>
 </p:sldLayout>
@@ -2178,7 +2178,7 @@
   </p:clrMapOvr>
   <p:extLst>
     <p:ext uri="{DCECCB84-F9BA-43D5-87BE-67443E8EF086}">
-      <p15:sldGuideLst xmlns:p15="http://schemas.microsoft.com/office/powerpoint/2012/main"/>
+      <p15:sldGuideLst xmlns:p15="http://schemas.microsoft.com/office/powerpoint/2012/main" xmlns=""/>
     </p:ext>
   </p:extLst>
 </p:sldLayout>
@@ -2456,7 +2456,7 @@
   </p:clrMapOvr>
   <p:extLst>
     <p:ext uri="{DCECCB84-F9BA-43D5-87BE-67443E8EF086}">
-      <p15:sldGuideLst xmlns:p15="http://schemas.microsoft.com/office/powerpoint/2012/main"/>
+      <p15:sldGuideLst xmlns:p15="http://schemas.microsoft.com/office/powerpoint/2012/main" xmlns=""/>
     </p:ext>
   </p:extLst>
 </p:sldLayout>
@@ -3352,7 +3352,7 @@
   </p:txStyles>
   <p:extLst>
     <p:ext uri="{27BBF7A9-308A-43DC-89C8-2F10F3537804}">
-      <p15:sldGuideLst xmlns:p15="http://schemas.microsoft.com/office/powerpoint/2012/main"/>
+      <p15:sldGuideLst xmlns:p15="http://schemas.microsoft.com/office/powerpoint/2012/main" xmlns=""/>
     </p:ext>
   </p:extLst>
 </p:sldMaster>
@@ -3380,7 +3380,7 @@
           <p:cNvPr id="2" name="Title 1">
             <a:extLst>
               <a:ext uri="{FF2B5EF4-FFF2-40B4-BE49-F238E27FC236}">
-                <a16:creationId xmlns:a16="http://schemas.microsoft.com/office/drawing/2014/main" id="{52080939-F7AA-49B4-ADB1-B8B746C574D8}"/>
+                <a16:creationId xmlns:a16="http://schemas.microsoft.com/office/drawing/2014/main" xmlns="" id="{52080939-F7AA-49B4-ADB1-B8B746C574D8}"/>
               </a:ext>
             </a:extLst>
           </p:cNvPr>
@@ -3410,7 +3410,7 @@
           <p:cNvPr id="3" name="Subtitle 2">
             <a:extLst>
               <a:ext uri="{FF2B5EF4-FFF2-40B4-BE49-F238E27FC236}">
-                <a16:creationId xmlns:a16="http://schemas.microsoft.com/office/drawing/2014/main" id="{B2084EE6-C278-4807-98D7-1E1A56E504FC}"/>
+                <a16:creationId xmlns:a16="http://schemas.microsoft.com/office/drawing/2014/main" xmlns="" id="{B2084EE6-C278-4807-98D7-1E1A56E504FC}"/>
               </a:ext>
             </a:extLst>
           </p:cNvPr>
@@ -3502,7 +3502,7 @@
           <p:cNvPr id="2" name="Title 1">
             <a:extLst>
               <a:ext uri="{FF2B5EF4-FFF2-40B4-BE49-F238E27FC236}">
-                <a16:creationId xmlns:a16="http://schemas.microsoft.com/office/drawing/2014/main" id="{CEEB7398-A403-41D6-9C8A-7936B5DA34ED}"/>
+                <a16:creationId xmlns:a16="http://schemas.microsoft.com/office/drawing/2014/main" xmlns="" id="{CEEB7398-A403-41D6-9C8A-7936B5DA34ED}"/>
               </a:ext>
             </a:extLst>
           </p:cNvPr>
@@ -3531,7 +3531,7 @@
           <p:cNvPr id="3" name="Content Placeholder 2">
             <a:extLst>
               <a:ext uri="{FF2B5EF4-FFF2-40B4-BE49-F238E27FC236}">
-                <a16:creationId xmlns:a16="http://schemas.microsoft.com/office/drawing/2014/main" id="{90DD1F47-391C-4041-B577-523E46791125}"/>
+                <a16:creationId xmlns:a16="http://schemas.microsoft.com/office/drawing/2014/main" xmlns="" id="{90DD1F47-391C-4041-B577-523E46791125}"/>
               </a:ext>
             </a:extLst>
           </p:cNvPr>
@@ -3607,7 +3607,7 @@
           <p:cNvPr id="2" name="Title 1">
             <a:extLst>
               <a:ext uri="{FF2B5EF4-FFF2-40B4-BE49-F238E27FC236}">
-                <a16:creationId xmlns:a16="http://schemas.microsoft.com/office/drawing/2014/main" id="{BF8CA364-AFEC-49EE-A62E-714A57A8E3DD}"/>
+                <a16:creationId xmlns:a16="http://schemas.microsoft.com/office/drawing/2014/main" xmlns="" id="{BF8CA364-AFEC-49EE-A62E-714A57A8E3DD}"/>
               </a:ext>
             </a:extLst>
           </p:cNvPr>
@@ -3636,7 +3636,7 @@
           <p:cNvPr id="3" name="Content Placeholder 2">
             <a:extLst>
               <a:ext uri="{FF2B5EF4-FFF2-40B4-BE49-F238E27FC236}">
-                <a16:creationId xmlns:a16="http://schemas.microsoft.com/office/drawing/2014/main" id="{7C4DAED1-5697-40D5-87A1-647630E89487}"/>
+                <a16:creationId xmlns:a16="http://schemas.microsoft.com/office/drawing/2014/main" xmlns="" id="{7C4DAED1-5697-40D5-87A1-647630E89487}"/>
               </a:ext>
             </a:extLst>
           </p:cNvPr>
@@ -3712,7 +3712,7 @@
           <p:cNvPr id="2" name="Title 1">
             <a:extLst>
               <a:ext uri="{FF2B5EF4-FFF2-40B4-BE49-F238E27FC236}">
-                <a16:creationId xmlns:a16="http://schemas.microsoft.com/office/drawing/2014/main" id="{E5768C77-0F8D-4986-AED5-D200CA9673D5}"/>
+                <a16:creationId xmlns:a16="http://schemas.microsoft.com/office/drawing/2014/main" xmlns="" id="{E5768C77-0F8D-4986-AED5-D200CA9673D5}"/>
               </a:ext>
             </a:extLst>
           </p:cNvPr>
@@ -3741,7 +3741,7 @@
           <p:cNvPr id="3" name="Content Placeholder 2">
             <a:extLst>
               <a:ext uri="{FF2B5EF4-FFF2-40B4-BE49-F238E27FC236}">
-                <a16:creationId xmlns:a16="http://schemas.microsoft.com/office/drawing/2014/main" id="{B3C6F449-5723-4103-84EA-39AA46528D95}"/>
+                <a16:creationId xmlns:a16="http://schemas.microsoft.com/office/drawing/2014/main" xmlns="" id="{B3C6F449-5723-4103-84EA-39AA46528D95}"/>
               </a:ext>
             </a:extLst>
           </p:cNvPr>
@@ -3811,7 +3811,7 @@
           <p:cNvPr id="2" name="Title 1">
             <a:extLst>
               <a:ext uri="{FF2B5EF4-FFF2-40B4-BE49-F238E27FC236}">
-                <a16:creationId xmlns:a16="http://schemas.microsoft.com/office/drawing/2014/main" id="{FF8050EC-7F2D-4EC9-A1FA-628C48B2491C}"/>
+                <a16:creationId xmlns:a16="http://schemas.microsoft.com/office/drawing/2014/main" xmlns="" id="{FF8050EC-7F2D-4EC9-A1FA-628C48B2491C}"/>
               </a:ext>
             </a:extLst>
           </p:cNvPr>
@@ -3840,7 +3840,7 @@
           <p:cNvPr id="3" name="Content Placeholder 2">
             <a:extLst>
               <a:ext uri="{FF2B5EF4-FFF2-40B4-BE49-F238E27FC236}">
-                <a16:creationId xmlns:a16="http://schemas.microsoft.com/office/drawing/2014/main" id="{81681B88-0EB3-444D-A7F8-A77903C160A9}"/>
+                <a16:creationId xmlns:a16="http://schemas.microsoft.com/office/drawing/2014/main" xmlns="" id="{81681B88-0EB3-444D-A7F8-A77903C160A9}"/>
               </a:ext>
             </a:extLst>
           </p:cNvPr>
@@ -3945,7 +3945,7 @@
           <p:cNvPr id="2" name="Title 1">
             <a:extLst>
               <a:ext uri="{FF2B5EF4-FFF2-40B4-BE49-F238E27FC236}">
-                <a16:creationId xmlns:a16="http://schemas.microsoft.com/office/drawing/2014/main" id="{B5E0DE52-57FA-4382-AC43-A670037AA2B0}"/>
+                <a16:creationId xmlns:a16="http://schemas.microsoft.com/office/drawing/2014/main" xmlns="" id="{B5E0DE52-57FA-4382-AC43-A670037AA2B0}"/>
               </a:ext>
             </a:extLst>
           </p:cNvPr>
@@ -3974,7 +3974,7 @@
           <p:cNvPr id="3" name="Content Placeholder 2">
             <a:extLst>
               <a:ext uri="{FF2B5EF4-FFF2-40B4-BE49-F238E27FC236}">
-                <a16:creationId xmlns:a16="http://schemas.microsoft.com/office/drawing/2014/main" id="{2098337E-3FCB-41AE-A7D0-C961CEE762D5}"/>
+                <a16:creationId xmlns:a16="http://schemas.microsoft.com/office/drawing/2014/main" xmlns="" id="{2098337E-3FCB-41AE-A7D0-C961CEE762D5}"/>
               </a:ext>
             </a:extLst>
           </p:cNvPr>
@@ -4056,7 +4056,7 @@
           <p:cNvPr id="2" name="Title 1">
             <a:extLst>
               <a:ext uri="{FF2B5EF4-FFF2-40B4-BE49-F238E27FC236}">
-                <a16:creationId xmlns:a16="http://schemas.microsoft.com/office/drawing/2014/main" id="{1FCFF9AE-6AF6-4C48-9AAF-3AFA564C208F}"/>
+                <a16:creationId xmlns:a16="http://schemas.microsoft.com/office/drawing/2014/main" xmlns="" id="{1FCFF9AE-6AF6-4C48-9AAF-3AFA564C208F}"/>
               </a:ext>
             </a:extLst>
           </p:cNvPr>
@@ -4085,7 +4085,7 @@
           <p:cNvPr id="3" name="Content Placeholder 2">
             <a:extLst>
               <a:ext uri="{FF2B5EF4-FFF2-40B4-BE49-F238E27FC236}">
-                <a16:creationId xmlns:a16="http://schemas.microsoft.com/office/drawing/2014/main" id="{5E6ACB0A-7CCC-4197-9DED-DB425CEE6182}"/>
+                <a16:creationId xmlns:a16="http://schemas.microsoft.com/office/drawing/2014/main" xmlns="" id="{5E6ACB0A-7CCC-4197-9DED-DB425CEE6182}"/>
               </a:ext>
             </a:extLst>
           </p:cNvPr>
@@ -4103,11 +4103,7 @@
           <a:p>
             <a:r>
               <a:rPr lang="en-US" dirty="0" smtClean="0"/>
-              <a:t>In profile page uploading a picture could be any extension </a:t>
-            </a:r>
-            <a:r>
-              <a:rPr lang="en-US" dirty="0" smtClean="0"/>
-              <a:t>.</a:t>
+              <a:t>In profile page uploading a picture could be any extension .</a:t>
             </a:r>
           </a:p>
           <a:p>
@@ -4205,7 +4201,7 @@
           <p:cNvPr id="2" name="Title 1">
             <a:extLst>
               <a:ext uri="{FF2B5EF4-FFF2-40B4-BE49-F238E27FC236}">
-                <a16:creationId xmlns:a16="http://schemas.microsoft.com/office/drawing/2014/main" id="{5994C86B-DE5B-44BD-B71D-DAA11217EBC5}"/>
+                <a16:creationId xmlns:a16="http://schemas.microsoft.com/office/drawing/2014/main" xmlns="" id="{5994C86B-DE5B-44BD-B71D-DAA11217EBC5}"/>
               </a:ext>
             </a:extLst>
           </p:cNvPr>
@@ -4229,31 +4225,35 @@
           </a:p>
         </p:txBody>
       </p:sp>
-      <p:sp>
-        <p:nvSpPr>
-          <p:cNvPr id="3" name="Content Placeholder 2">
+      <p:pic>
+        <p:nvPicPr>
+          <p:cNvPr id="4" name="Content Placeholder 3"/>
+          <p:cNvPicPr>
+            <a:picLocks noGrp="1" noChangeAspect="1"/>
+          </p:cNvPicPr>
+          <p:nvPr>
+            <p:ph idx="1"/>
+          </p:nvPr>
+        </p:nvPicPr>
+        <p:blipFill>
+          <a:blip r:embed="rId2" cstate="print">
             <a:extLst>
-              <a:ext uri="{FF2B5EF4-FFF2-40B4-BE49-F238E27FC236}">
-                <a16:creationId xmlns:a16="http://schemas.microsoft.com/office/drawing/2014/main" id="{2C0CC3B0-62EF-48C4-B5C5-D33471BAA34D}"/>
+              <a:ext uri="{28A0092B-C50C-407E-A947-70E740481C1C}">
+                <a14:useLocalDpi xmlns:a14="http://schemas.microsoft.com/office/drawing/2010/main" val="0"/>
               </a:ext>
             </a:extLst>
-          </p:cNvPr>
-          <p:cNvSpPr>
-            <a:spLocks noGrp="1"/>
-          </p:cNvSpPr>
-          <p:nvPr>
-            <p:ph idx="1"/>
-          </p:nvPr>
-        </p:nvSpPr>
-        <p:spPr/>
-        <p:txBody>
-          <a:bodyPr/>
-          <a:lstStyle/>
-          <a:p>
-            <a:endParaRPr lang="en-US"/>
-          </a:p>
-        </p:txBody>
-      </p:sp>
+          </a:blip>
+          <a:stretch>
+            <a:fillRect/>
+          </a:stretch>
+        </p:blipFill>
+        <p:spPr>
+          <a:xfrm>
+            <a:off x="4171253" y="1920449"/>
+            <a:ext cx="3337273" cy="4718995"/>
+          </a:xfrm>
+        </p:spPr>
+      </p:pic>
     </p:spTree>
     <p:extLst>
       <p:ext uri="{BB962C8B-B14F-4D97-AF65-F5344CB8AC3E}">
@@ -4523,7 +4523,7 @@
   <a:extraClrSchemeLst/>
   <a:extLst>
     <a:ext uri="{05A4C25C-085E-4340-85A3-A5531E510DB2}">
-      <thm15:themeFamily xmlns:thm15="http://schemas.microsoft.com/office/thememl/2012/main" name="Banded" id="{98DFF888-2449-4D28-977C-6306C017633E}" vid="{9792607F-9579-4224-82FF-9C88C3E1E53D}"/>
+      <thm15:themeFamily xmlns:thm15="http://schemas.microsoft.com/office/thememl/2012/main" xmlns="" name="Banded" id="{98DFF888-2449-4D28-977C-6306C017633E}" vid="{9792607F-9579-4224-82FF-9C88C3E1E53D}"/>
     </a:ext>
   </a:extLst>
 </a:theme>
